--- a/Starbucks Market Analysis.pptx
+++ b/Starbucks Market Analysis.pptx
@@ -30,7 +30,9 @@
     <p:sldId id="284" r:id="rId24"/>
     <p:sldId id="285" r:id="rId25"/>
     <p:sldId id="281" r:id="rId26"/>
-    <p:sldId id="275" r:id="rId27"/>
+    <p:sldId id="286" r:id="rId27"/>
+    <p:sldId id="287" r:id="rId28"/>
+    <p:sldId id="275" r:id="rId29"/>
   </p:sldIdLst>
   <p:sldSz cx="12192000" cy="6858000"/>
   <p:notesSz cx="6858000" cy="9144000"/>
@@ -6530,6 +6532,23 @@
               <a:buFont typeface="Wingdings" panose="05000000000000000000" pitchFamily="2" charset="2"/>
               <a:buChar char="Ø"/>
             </a:pPr>
+            <a:r>
+              <a:rPr lang="en-IN" sz="2000" dirty="0">
+                <a:latin typeface="Verdana" panose="020B0604030504040204" pitchFamily="34" charset="0"/>
+                <a:ea typeface="Verdana" panose="020B0604030504040204" pitchFamily="34" charset="0"/>
+              </a:rPr>
+              <a:t> Starbucks Stores Location Analysis</a:t>
+            </a:r>
+            <a:endParaRPr lang="en-IN" dirty="0">
+              <a:latin typeface="Verdana" panose="020B0604030504040204" pitchFamily="34" charset="0"/>
+              <a:ea typeface="Verdana" panose="020B0604030504040204" pitchFamily="34" charset="0"/>
+            </a:endParaRPr>
+          </a:p>
+          <a:p>
+            <a:pPr>
+              <a:buFont typeface="Wingdings" panose="05000000000000000000" pitchFamily="2" charset="2"/>
+              <a:buChar char="Ø"/>
+            </a:pPr>
             <a:endParaRPr lang="en-IN" dirty="0">
               <a:latin typeface="Verdana" panose="020B0604030504040204" pitchFamily="34" charset="0"/>
               <a:ea typeface="Verdana" panose="020B0604030504040204" pitchFamily="34" charset="0"/>
@@ -7562,22 +7581,22 @@
         </p:nvSpPr>
         <p:spPr/>
         <p:txBody>
-          <a:bodyPr/>
+          <a:bodyPr>
+            <a:normAutofit/>
+          </a:bodyPr>
           <a:lstStyle/>
           <a:p>
             <a:r>
-              <a:rPr lang="en-US" dirty="0"/>
-              <a:t>Top 10 cities in the world with more Number of </a:t>
-            </a:r>
-            <a:r>
-              <a:rPr lang="en-US" dirty="0" err="1"/>
-              <a:t>starbucks</a:t>
-            </a:r>
-            <a:r>
-              <a:rPr lang="en-US" dirty="0"/>
-              <a:t> stores</a:t>
-            </a:r>
-            <a:endParaRPr lang="en-IN" dirty="0"/>
+              <a:rPr lang="en-US" sz="4200" dirty="0">
+                <a:latin typeface="Verdana" panose="020B0604030504040204" pitchFamily="34" charset="0"/>
+                <a:ea typeface="Verdana" panose="020B0604030504040204" pitchFamily="34" charset="0"/>
+              </a:rPr>
+              <a:t>Top 10 cities in the world with more Number of Starbucks stores</a:t>
+            </a:r>
+            <a:endParaRPr lang="en-IN" sz="4200" dirty="0">
+              <a:latin typeface="Verdana" panose="020B0604030504040204" pitchFamily="34" charset="0"/>
+              <a:ea typeface="Verdana" panose="020B0604030504040204" pitchFamily="34" charset="0"/>
+            </a:endParaRPr>
           </a:p>
         </p:txBody>
       </p:sp>
@@ -7599,13 +7618,61 @@
         </p:nvSpPr>
         <p:spPr/>
         <p:txBody>
-          <a:bodyPr/>
+          <a:bodyPr>
+            <a:normAutofit/>
+          </a:bodyPr>
           <a:lstStyle/>
           <a:p>
-            <a:endParaRPr lang="en-IN"/>
-          </a:p>
-        </p:txBody>
-      </p:sp>
+            <a:r>
+              <a:rPr lang="en-IN" sz="1500" dirty="0">
+                <a:latin typeface="Verdana" panose="020B0604030504040204" pitchFamily="34" charset="0"/>
+                <a:ea typeface="Verdana" panose="020B0604030504040204" pitchFamily="34" charset="0"/>
+              </a:rPr>
+              <a:t>Shanghai in China has more number of Starbucks stores according to data.</a:t>
+            </a:r>
+          </a:p>
+        </p:txBody>
+      </p:sp>
+      <p:pic>
+        <p:nvPicPr>
+          <p:cNvPr id="5" name="Picture 4">
+            <a:extLst>
+              <a:ext uri="{FF2B5EF4-FFF2-40B4-BE49-F238E27FC236}">
+                <a16:creationId xmlns:a16="http://schemas.microsoft.com/office/drawing/2014/main" id="{FBAEA2A6-540F-4485-9E4F-3C82676BA6CA}"/>
+              </a:ext>
+            </a:extLst>
+          </p:cNvPr>
+          <p:cNvPicPr>
+            <a:picLocks noChangeAspect="1"/>
+          </p:cNvPicPr>
+          <p:nvPr/>
+        </p:nvPicPr>
+        <p:blipFill>
+          <a:blip r:embed="rId2"/>
+          <a:stretch>
+            <a:fillRect/>
+          </a:stretch>
+        </p:blipFill>
+        <p:spPr>
+          <a:xfrm>
+            <a:off x="2594383" y="2564715"/>
+            <a:ext cx="7372350" cy="3590925"/>
+          </a:xfrm>
+          <a:prstGeom prst="rect">
+            <a:avLst/>
+          </a:prstGeom>
+          <a:ln>
+            <a:noFill/>
+          </a:ln>
+          <a:effectLst>
+            <a:outerShdw blurRad="292100" dist="139700" dir="2700000" algn="tl" rotWithShape="0">
+              <a:srgbClr val="333333">
+                <a:alpha val="65000"/>
+              </a:srgbClr>
+            </a:outerShdw>
+          </a:effectLst>
+        </p:spPr>
+      </p:pic>
     </p:spTree>
     <p:extLst>
       <p:ext uri="{BB962C8B-B14F-4D97-AF65-F5344CB8AC3E}">
@@ -7620,6 +7687,312 @@
 </file>
 
 <file path=ppt/slides/slide26.xml><?xml version="1.0" encoding="utf-8"?>
+<p:sld xmlns:a="http://schemas.openxmlformats.org/drawingml/2006/main" xmlns:r="http://schemas.openxmlformats.org/officeDocument/2006/relationships" xmlns:p="http://schemas.openxmlformats.org/presentationml/2006/main">
+  <p:cSld>
+    <p:spTree>
+      <p:nvGrpSpPr>
+        <p:cNvPr id="1" name=""/>
+        <p:cNvGrpSpPr/>
+        <p:nvPr/>
+      </p:nvGrpSpPr>
+      <p:grpSpPr>
+        <a:xfrm>
+          <a:off x="0" y="0"/>
+          <a:ext cx="0" cy="0"/>
+          <a:chOff x="0" y="0"/>
+          <a:chExt cx="0" cy="0"/>
+        </a:xfrm>
+      </p:grpSpPr>
+      <p:sp>
+        <p:nvSpPr>
+          <p:cNvPr id="2" name="TextBox 1">
+            <a:extLst>
+              <a:ext uri="{FF2B5EF4-FFF2-40B4-BE49-F238E27FC236}">
+                <a16:creationId xmlns:a16="http://schemas.microsoft.com/office/drawing/2014/main" id="{AF40F9F6-A4AD-46E2-8670-B2AA916A1671}"/>
+              </a:ext>
+            </a:extLst>
+          </p:cNvPr>
+          <p:cNvSpPr txBox="1"/>
+          <p:nvPr/>
+        </p:nvSpPr>
+        <p:spPr>
+          <a:xfrm>
+            <a:off x="1182848" y="1786855"/>
+            <a:ext cx="10528183" cy="1477328"/>
+          </a:xfrm>
+          <a:prstGeom prst="rect">
+            <a:avLst/>
+          </a:prstGeom>
+          <a:noFill/>
+        </p:spPr>
+        <p:txBody>
+          <a:bodyPr wrap="square" rtlCol="0">
+            <a:spAutoFit/>
+          </a:bodyPr>
+          <a:lstStyle/>
+          <a:p>
+            <a:pPr marL="285750" indent="-285750">
+              <a:buFont typeface="Wingdings" panose="05000000000000000000" pitchFamily="2" charset="2"/>
+              <a:buChar char="§"/>
+            </a:pPr>
+            <a:r>
+              <a:rPr lang="en-IN" dirty="0"/>
+              <a:t>Link for Jupyter notebook for Starbucks store location analysis to analyse the Starbucks market in different countries based on demographic Data.</a:t>
+            </a:r>
+          </a:p>
+          <a:p>
+            <a:endParaRPr lang="en-IN" dirty="0"/>
+          </a:p>
+          <a:p>
+            <a:endParaRPr lang="en-IN" dirty="0"/>
+          </a:p>
+          <a:p>
+            <a:pPr algn="ctr"/>
+            <a:r>
+              <a:rPr lang="en-IN" dirty="0">
+                <a:hlinkClick r:id="rId2"/>
+              </a:rPr>
+              <a:t>https://github.com/abhijitmorye/Data_Analysis_and_Visulization.git</a:t>
+            </a:r>
+            <a:endParaRPr lang="en-IN" dirty="0"/>
+          </a:p>
+        </p:txBody>
+      </p:sp>
+    </p:spTree>
+    <p:extLst>
+      <p:ext uri="{BB962C8B-B14F-4D97-AF65-F5344CB8AC3E}">
+        <p14:creationId xmlns:p14="http://schemas.microsoft.com/office/powerpoint/2010/main" val="599748005"/>
+      </p:ext>
+    </p:extLst>
+  </p:cSld>
+  <p:clrMapOvr>
+    <a:masterClrMapping/>
+  </p:clrMapOvr>
+</p:sld>
+</file>
+
+<file path=ppt/slides/slide27.xml><?xml version="1.0" encoding="utf-8"?>
+<p:sld xmlns:a="http://schemas.openxmlformats.org/drawingml/2006/main" xmlns:r="http://schemas.openxmlformats.org/officeDocument/2006/relationships" xmlns:p="http://schemas.openxmlformats.org/presentationml/2006/main">
+  <p:cSld>
+    <p:spTree>
+      <p:nvGrpSpPr>
+        <p:cNvPr id="1" name=""/>
+        <p:cNvGrpSpPr/>
+        <p:nvPr/>
+      </p:nvGrpSpPr>
+      <p:grpSpPr>
+        <a:xfrm>
+          <a:off x="0" y="0"/>
+          <a:ext cx="0" cy="0"/>
+          <a:chOff x="0" y="0"/>
+          <a:chExt cx="0" cy="0"/>
+        </a:xfrm>
+      </p:grpSpPr>
+      <p:sp>
+        <p:nvSpPr>
+          <p:cNvPr id="2" name="Title 1">
+            <a:extLst>
+              <a:ext uri="{FF2B5EF4-FFF2-40B4-BE49-F238E27FC236}">
+                <a16:creationId xmlns:a16="http://schemas.microsoft.com/office/drawing/2014/main" id="{4CF486CC-A04C-488E-8EE4-21BCDFA36E7F}"/>
+              </a:ext>
+            </a:extLst>
+          </p:cNvPr>
+          <p:cNvSpPr>
+            <a:spLocks noGrp="1"/>
+          </p:cNvSpPr>
+          <p:nvPr>
+            <p:ph type="title"/>
+          </p:nvPr>
+        </p:nvSpPr>
+        <p:spPr>
+          <a:xfrm>
+            <a:off x="1097280" y="286603"/>
+            <a:ext cx="10058400" cy="1089191"/>
+          </a:xfrm>
+        </p:spPr>
+        <p:txBody>
+          <a:bodyPr>
+            <a:normAutofit/>
+          </a:bodyPr>
+          <a:lstStyle/>
+          <a:p>
+            <a:r>
+              <a:rPr lang="en-US" sz="4200" dirty="0">
+                <a:latin typeface="Verdana" panose="020B0604030504040204" pitchFamily="34" charset="0"/>
+                <a:ea typeface="Verdana" panose="020B0604030504040204" pitchFamily="34" charset="0"/>
+              </a:rPr>
+              <a:t>References -</a:t>
+            </a:r>
+            <a:endParaRPr lang="en-IN" sz="4200" dirty="0">
+              <a:latin typeface="Verdana" panose="020B0604030504040204" pitchFamily="34" charset="0"/>
+              <a:ea typeface="Verdana" panose="020B0604030504040204" pitchFamily="34" charset="0"/>
+            </a:endParaRPr>
+          </a:p>
+        </p:txBody>
+      </p:sp>
+      <p:sp>
+        <p:nvSpPr>
+          <p:cNvPr id="3" name="Content Placeholder 2">
+            <a:extLst>
+              <a:ext uri="{FF2B5EF4-FFF2-40B4-BE49-F238E27FC236}">
+                <a16:creationId xmlns:a16="http://schemas.microsoft.com/office/drawing/2014/main" id="{D3C6D848-BD60-4F89-8BE0-73F7AE5B99F7}"/>
+              </a:ext>
+            </a:extLst>
+          </p:cNvPr>
+          <p:cNvSpPr>
+            <a:spLocks noGrp="1"/>
+          </p:cNvSpPr>
+          <p:nvPr>
+            <p:ph idx="1"/>
+          </p:nvPr>
+        </p:nvSpPr>
+        <p:spPr>
+          <a:xfrm>
+            <a:off x="1097280" y="2359871"/>
+            <a:ext cx="10058400" cy="3269142"/>
+          </a:xfrm>
+        </p:spPr>
+        <p:txBody>
+          <a:bodyPr>
+            <a:normAutofit/>
+          </a:bodyPr>
+          <a:lstStyle/>
+          <a:p>
+            <a:pPr>
+              <a:buFont typeface="Wingdings" panose="05000000000000000000" pitchFamily="2" charset="2"/>
+              <a:buChar char="q"/>
+            </a:pPr>
+            <a:r>
+              <a:rPr lang="en-IN" sz="1500" dirty="0">
+                <a:latin typeface="Verdana" panose="020B0604030504040204" pitchFamily="34" charset="0"/>
+                <a:ea typeface="Verdana" panose="020B0604030504040204" pitchFamily="34" charset="0"/>
+                <a:hlinkClick r:id="rId2"/>
+              </a:rPr>
+              <a:t> https://digital.hbs.edu/platform-digit/submission/starbucks-secret-ingredient-data-analytics/</a:t>
+            </a:r>
+            <a:endParaRPr lang="en-IN" sz="1500" dirty="0">
+              <a:latin typeface="Verdana" panose="020B0604030504040204" pitchFamily="34" charset="0"/>
+              <a:ea typeface="Verdana" panose="020B0604030504040204" pitchFamily="34" charset="0"/>
+            </a:endParaRPr>
+          </a:p>
+          <a:p>
+            <a:pPr>
+              <a:buFont typeface="Wingdings" panose="05000000000000000000" pitchFamily="2" charset="2"/>
+              <a:buChar char="q"/>
+            </a:pPr>
+            <a:r>
+              <a:rPr lang="en-IN" sz="1500" dirty="0">
+                <a:latin typeface="Verdana" panose="020B0604030504040204" pitchFamily="34" charset="0"/>
+                <a:ea typeface="Verdana" panose="020B0604030504040204" pitchFamily="34" charset="0"/>
+                <a:hlinkClick r:id="rId3"/>
+              </a:rPr>
+              <a:t> https://www.forbes.com/sites/bernardmarr/2018/05/28/starbucks-using-big-data-analytics-and- artificial-intelligence-to-boost-performance/?sh=3df2e60065cd</a:t>
+            </a:r>
+            <a:endParaRPr lang="en-IN" sz="1500" dirty="0">
+              <a:latin typeface="Verdana" panose="020B0604030504040204" pitchFamily="34" charset="0"/>
+              <a:ea typeface="Verdana" panose="020B0604030504040204" pitchFamily="34" charset="0"/>
+            </a:endParaRPr>
+          </a:p>
+          <a:p>
+            <a:pPr>
+              <a:buFont typeface="Wingdings" panose="05000000000000000000" pitchFamily="2" charset="2"/>
+              <a:buChar char="q"/>
+            </a:pPr>
+            <a:r>
+              <a:rPr lang="en-IN" sz="1500" dirty="0">
+                <a:latin typeface="Verdana" panose="020B0604030504040204" pitchFamily="34" charset="0"/>
+                <a:ea typeface="Verdana" panose="020B0604030504040204" pitchFamily="34" charset="0"/>
+                <a:hlinkClick r:id="rId4"/>
+              </a:rPr>
+              <a:t> https://en.wikipedia.org/wiki/Starbucks</a:t>
+            </a:r>
+            <a:endParaRPr lang="en-IN" sz="1500" dirty="0">
+              <a:latin typeface="Verdana" panose="020B0604030504040204" pitchFamily="34" charset="0"/>
+              <a:ea typeface="Verdana" panose="020B0604030504040204" pitchFamily="34" charset="0"/>
+            </a:endParaRPr>
+          </a:p>
+          <a:p>
+            <a:pPr>
+              <a:buFont typeface="Wingdings" panose="05000000000000000000" pitchFamily="2" charset="2"/>
+              <a:buChar char="q"/>
+            </a:pPr>
+            <a:r>
+              <a:rPr lang="en-IN" sz="1500" dirty="0">
+                <a:latin typeface="Verdana" panose="020B0604030504040204" pitchFamily="34" charset="0"/>
+                <a:ea typeface="Verdana" panose="020B0604030504040204" pitchFamily="34" charset="0"/>
+                <a:hlinkClick r:id="rId5"/>
+              </a:rPr>
+              <a:t> https://demand-planning.com/2018/05/29/how-starbucks-uses-predictive-analytics-and-your-loyalty-card-data/</a:t>
+            </a:r>
+            <a:endParaRPr lang="en-IN" sz="1500" dirty="0">
+              <a:latin typeface="Verdana" panose="020B0604030504040204" pitchFamily="34" charset="0"/>
+              <a:ea typeface="Verdana" panose="020B0604030504040204" pitchFamily="34" charset="0"/>
+            </a:endParaRPr>
+          </a:p>
+          <a:p>
+            <a:pPr>
+              <a:buFont typeface="Wingdings" panose="05000000000000000000" pitchFamily="2" charset="2"/>
+              <a:buChar char="q"/>
+            </a:pPr>
+            <a:r>
+              <a:rPr lang="en-IN" sz="1500" dirty="0">
+                <a:latin typeface="Verdana" panose="020B0604030504040204" pitchFamily="34" charset="0"/>
+                <a:ea typeface="Verdana" panose="020B0604030504040204" pitchFamily="34" charset="0"/>
+                <a:hlinkClick r:id="rId6"/>
+              </a:rPr>
+              <a:t> https://www.thebalancesmb.com/starbucks-use-of-market-research-propels-the-brand-2297155</a:t>
+            </a:r>
+            <a:endParaRPr lang="en-IN" sz="1500" dirty="0">
+              <a:latin typeface="Verdana" panose="020B0604030504040204" pitchFamily="34" charset="0"/>
+              <a:ea typeface="Verdana" panose="020B0604030504040204" pitchFamily="34" charset="0"/>
+            </a:endParaRPr>
+          </a:p>
+          <a:p>
+            <a:pPr>
+              <a:buFont typeface="Wingdings" panose="05000000000000000000" pitchFamily="2" charset="2"/>
+              <a:buChar char="q"/>
+            </a:pPr>
+            <a:r>
+              <a:rPr lang="en-IN" sz="1500" dirty="0">
+                <a:latin typeface="Verdana" panose="020B0604030504040204" pitchFamily="34" charset="0"/>
+                <a:ea typeface="Verdana" panose="020B0604030504040204" pitchFamily="34" charset="0"/>
+                <a:hlinkClick r:id="rId7"/>
+              </a:rPr>
+              <a:t> https://www.kaggle.com/umeshnarayanappa/explore-starbucks-worldwide-stores/data</a:t>
+            </a:r>
+            <a:endParaRPr lang="en-IN" sz="1500" dirty="0">
+              <a:latin typeface="Verdana" panose="020B0604030504040204" pitchFamily="34" charset="0"/>
+              <a:ea typeface="Verdana" panose="020B0604030504040204" pitchFamily="34" charset="0"/>
+            </a:endParaRPr>
+          </a:p>
+          <a:p>
+            <a:endParaRPr lang="en-IN" sz="1500" dirty="0">
+              <a:latin typeface="Verdana" panose="020B0604030504040204" pitchFamily="34" charset="0"/>
+              <a:ea typeface="Verdana" panose="020B0604030504040204" pitchFamily="34" charset="0"/>
+            </a:endParaRPr>
+          </a:p>
+          <a:p>
+            <a:endParaRPr lang="en-IN" sz="1500" dirty="0">
+              <a:latin typeface="Verdana" panose="020B0604030504040204" pitchFamily="34" charset="0"/>
+              <a:ea typeface="Verdana" panose="020B0604030504040204" pitchFamily="34" charset="0"/>
+            </a:endParaRPr>
+          </a:p>
+        </p:txBody>
+      </p:sp>
+    </p:spTree>
+    <p:extLst>
+      <p:ext uri="{BB962C8B-B14F-4D97-AF65-F5344CB8AC3E}">
+        <p14:creationId xmlns:p14="http://schemas.microsoft.com/office/powerpoint/2010/main" val="2494188829"/>
+      </p:ext>
+    </p:extLst>
+  </p:cSld>
+  <p:clrMapOvr>
+    <a:masterClrMapping/>
+  </p:clrMapOvr>
+</p:sld>
+</file>
+
+<file path=ppt/slides/slide28.xml><?xml version="1.0" encoding="utf-8"?>
 <p:sld xmlns:a="http://schemas.openxmlformats.org/drawingml/2006/main" xmlns:r="http://schemas.openxmlformats.org/officeDocument/2006/relationships" xmlns:p="http://schemas.openxmlformats.org/presentationml/2006/main">
   <p:cSld>
     <p:spTree>
